--- a/01-需求文件/分析.pptx
+++ b/01-需求文件/分析.pptx
@@ -337,7 +337,7 @@
           <a:p>
             <a:fld id="{533EB0DC-3673-4D85-A136-E7206D8E2189}" type="datetimeFigureOut">
               <a:rPr lang="zh-TW" altLang="en-US" smtClean="0"/>
-              <a:t>2018/6/27</a:t>
+              <a:t>2018/7/2</a:t>
             </a:fld>
             <a:endParaRPr lang="zh-TW" altLang="en-US"/>
           </a:p>
@@ -668,7 +668,7 @@
           <a:p>
             <a:fld id="{533EB0DC-3673-4D85-A136-E7206D8E2189}" type="datetimeFigureOut">
               <a:rPr lang="zh-TW" altLang="en-US" smtClean="0"/>
-              <a:t>2018/6/27</a:t>
+              <a:t>2018/7/2</a:t>
             </a:fld>
             <a:endParaRPr lang="zh-TW" altLang="en-US"/>
           </a:p>
@@ -916,7 +916,7 @@
           <a:p>
             <a:fld id="{533EB0DC-3673-4D85-A136-E7206D8E2189}" type="datetimeFigureOut">
               <a:rPr lang="zh-TW" altLang="en-US" smtClean="0"/>
-              <a:t>2018/6/27</a:t>
+              <a:t>2018/7/2</a:t>
             </a:fld>
             <a:endParaRPr lang="zh-TW" altLang="en-US"/>
           </a:p>
@@ -1262,7 +1262,7 @@
           <a:p>
             <a:fld id="{533EB0DC-3673-4D85-A136-E7206D8E2189}" type="datetimeFigureOut">
               <a:rPr lang="zh-TW" altLang="en-US" smtClean="0"/>
-              <a:t>2018/6/27</a:t>
+              <a:t>2018/7/2</a:t>
             </a:fld>
             <a:endParaRPr lang="zh-TW" altLang="en-US"/>
           </a:p>
@@ -1616,7 +1616,7 @@
           <a:p>
             <a:fld id="{533EB0DC-3673-4D85-A136-E7206D8E2189}" type="datetimeFigureOut">
               <a:rPr lang="zh-TW" altLang="en-US" smtClean="0"/>
-              <a:t>2018/6/27</a:t>
+              <a:t>2018/7/2</a:t>
             </a:fld>
             <a:endParaRPr lang="zh-TW" altLang="en-US"/>
           </a:p>
@@ -1990,7 +1990,7 @@
           <a:p>
             <a:fld id="{533EB0DC-3673-4D85-A136-E7206D8E2189}" type="datetimeFigureOut">
               <a:rPr lang="zh-TW" altLang="en-US" smtClean="0"/>
-              <a:t>2018/6/27</a:t>
+              <a:t>2018/7/2</a:t>
             </a:fld>
             <a:endParaRPr lang="zh-TW" altLang="en-US"/>
           </a:p>
@@ -2467,7 +2467,7 @@
           <a:p>
             <a:fld id="{533EB0DC-3673-4D85-A136-E7206D8E2189}" type="datetimeFigureOut">
               <a:rPr lang="zh-TW" altLang="en-US" smtClean="0"/>
-              <a:t>2018/6/27</a:t>
+              <a:t>2018/7/2</a:t>
             </a:fld>
             <a:endParaRPr lang="zh-TW" altLang="en-US"/>
           </a:p>
@@ -2684,7 +2684,7 @@
           <a:p>
             <a:fld id="{533EB0DC-3673-4D85-A136-E7206D8E2189}" type="datetimeFigureOut">
               <a:rPr lang="zh-TW" altLang="en-US" smtClean="0"/>
-              <a:t>2018/6/27</a:t>
+              <a:t>2018/7/2</a:t>
             </a:fld>
             <a:endParaRPr lang="zh-TW" altLang="en-US"/>
           </a:p>
@@ -2902,7 +2902,7 @@
           <a:p>
             <a:fld id="{533EB0DC-3673-4D85-A136-E7206D8E2189}" type="datetimeFigureOut">
               <a:rPr lang="zh-TW" altLang="en-US" smtClean="0"/>
-              <a:t>2018/6/27</a:t>
+              <a:t>2018/7/2</a:t>
             </a:fld>
             <a:endParaRPr lang="zh-TW" altLang="en-US"/>
           </a:p>
@@ -3148,7 +3148,7 @@
           <a:p>
             <a:fld id="{533EB0DC-3673-4D85-A136-E7206D8E2189}" type="datetimeFigureOut">
               <a:rPr lang="zh-TW" altLang="en-US" smtClean="0"/>
-              <a:t>2018/6/27</a:t>
+              <a:t>2018/7/2</a:t>
             </a:fld>
             <a:endParaRPr lang="zh-TW" altLang="en-US"/>
           </a:p>
@@ -3396,7 +3396,7 @@
           <a:p>
             <a:fld id="{533EB0DC-3673-4D85-A136-E7206D8E2189}" type="datetimeFigureOut">
               <a:rPr lang="zh-TW" altLang="en-US" smtClean="0"/>
-              <a:t>2018/6/27</a:t>
+              <a:t>2018/7/2</a:t>
             </a:fld>
             <a:endParaRPr lang="zh-TW" altLang="en-US"/>
           </a:p>
@@ -3708,7 +3708,7 @@
           <a:p>
             <a:fld id="{533EB0DC-3673-4D85-A136-E7206D8E2189}" type="datetimeFigureOut">
               <a:rPr lang="zh-TW" altLang="en-US" smtClean="0"/>
-              <a:t>2018/6/27</a:t>
+              <a:t>2018/7/2</a:t>
             </a:fld>
             <a:endParaRPr lang="zh-TW" altLang="en-US"/>
           </a:p>
@@ -4090,7 +4090,7 @@
           <a:p>
             <a:fld id="{533EB0DC-3673-4D85-A136-E7206D8E2189}" type="datetimeFigureOut">
               <a:rPr lang="zh-TW" altLang="en-US" smtClean="0"/>
-              <a:t>2018/6/27</a:t>
+              <a:t>2018/7/2</a:t>
             </a:fld>
             <a:endParaRPr lang="zh-TW" altLang="en-US"/>
           </a:p>
@@ -4251,7 +4251,7 @@
           <a:p>
             <a:fld id="{533EB0DC-3673-4D85-A136-E7206D8E2189}" type="datetimeFigureOut">
               <a:rPr lang="zh-TW" altLang="en-US" smtClean="0"/>
-              <a:t>2018/6/27</a:t>
+              <a:t>2018/7/2</a:t>
             </a:fld>
             <a:endParaRPr lang="zh-TW" altLang="en-US"/>
           </a:p>
@@ -4384,7 +4384,7 @@
           <a:p>
             <a:fld id="{533EB0DC-3673-4D85-A136-E7206D8E2189}" type="datetimeFigureOut">
               <a:rPr lang="zh-TW" altLang="en-US" smtClean="0"/>
-              <a:t>2018/6/27</a:t>
+              <a:t>2018/7/2</a:t>
             </a:fld>
             <a:endParaRPr lang="zh-TW" altLang="en-US"/>
           </a:p>
@@ -4639,7 +4639,7 @@
           <a:p>
             <a:fld id="{533EB0DC-3673-4D85-A136-E7206D8E2189}" type="datetimeFigureOut">
               <a:rPr lang="zh-TW" altLang="en-US" smtClean="0"/>
-              <a:t>2018/6/27</a:t>
+              <a:t>2018/7/2</a:t>
             </a:fld>
             <a:endParaRPr lang="zh-TW" altLang="en-US"/>
           </a:p>
@@ -4960,7 +4960,7 @@
           <a:p>
             <a:fld id="{533EB0DC-3673-4D85-A136-E7206D8E2189}" type="datetimeFigureOut">
               <a:rPr lang="zh-TW" altLang="en-US" smtClean="0"/>
-              <a:t>2018/6/27</a:t>
+              <a:t>2018/7/2</a:t>
             </a:fld>
             <a:endParaRPr lang="zh-TW" altLang="en-US"/>
           </a:p>
@@ -5204,7 +5204,7 @@
           <a:p>
             <a:fld id="{533EB0DC-3673-4D85-A136-E7206D8E2189}" type="datetimeFigureOut">
               <a:rPr lang="zh-TW" altLang="en-US" smtClean="0"/>
-              <a:t>2018/6/27</a:t>
+              <a:t>2018/7/2</a:t>
             </a:fld>
             <a:endParaRPr lang="zh-TW" altLang="en-US"/>
           </a:p>
@@ -6048,14 +6048,14 @@
       </p:sp>
       <p:pic>
         <p:nvPicPr>
-          <p:cNvPr id="6" name="圖片 5"/>
+          <p:cNvPr id="3" name="圖片 2"/>
           <p:cNvPicPr>
             <a:picLocks noChangeAspect="1"/>
           </p:cNvPicPr>
           <p:nvPr/>
         </p:nvPicPr>
         <p:blipFill>
-          <a:blip r:embed="rId2">
+          <a:blip r:embed="rId2" cstate="print">
             <a:extLst>
               <a:ext uri="{28A0092B-C50C-407E-A947-70E740481C1C}">
                 <a14:useLocalDpi xmlns:a14="http://schemas.microsoft.com/office/drawing/2010/main" val="0"/>
@@ -6068,8 +6068,8 @@
         </p:blipFill>
         <p:spPr>
           <a:xfrm>
-            <a:off x="494201" y="2392068"/>
-            <a:ext cx="8164064" cy="3962953"/>
+            <a:off x="465234" y="2037583"/>
+            <a:ext cx="8221997" cy="4611633"/>
           </a:xfrm>
           <a:prstGeom prst="rect">
             <a:avLst/>
